--- a/Легенда Гриндлэнда.pptx
+++ b/Легенда Гриндлэнда.pptx
@@ -3266,17 +3266,7 @@
                   </a:schemeClr>
                 </a:solidFill>
               </a:rPr>
-              <a:t>Цель </a:t>
-            </a:r>
-            <a:r>
-              <a:rPr lang="ru-RU" sz="4300" b="1" i="1" u="sng" dirty="0" smtClean="0">
-                <a:solidFill>
-                  <a:schemeClr val="tx2">
-                    <a:lumMod val="50000"/>
-                  </a:schemeClr>
-                </a:solidFill>
-              </a:rPr>
-              <a:t>нашего проекта</a:t>
+              <a:t>Цель нашего проекта</a:t>
             </a:r>
             <a:r>
               <a:rPr lang="en-US" sz="4300" b="1" i="1" u="sng" dirty="0" smtClean="0">
@@ -3306,17 +3296,7 @@
                   </a:schemeClr>
                 </a:solidFill>
               </a:rPr>
-              <a:t>Создать </a:t>
-            </a:r>
-            <a:r>
-              <a:rPr lang="ru-RU" sz="4300" i="1" dirty="0" smtClean="0">
-                <a:solidFill>
-                  <a:schemeClr val="tx2">
-                    <a:lumMod val="50000"/>
-                  </a:schemeClr>
-                </a:solidFill>
-              </a:rPr>
-              <a:t>игру в жанре </a:t>
+              <a:t>Создать игру в жанре </a:t>
             </a:r>
             <a:r>
               <a:rPr lang="en-US" sz="4300" i="1" dirty="0" smtClean="0">
@@ -3346,17 +3326,7 @@
                   </a:schemeClr>
                 </a:solidFill>
               </a:rPr>
-              <a:t>pygame</a:t>
-            </a:r>
-            <a:r>
-              <a:rPr lang="en-US" sz="4300" i="1" dirty="0" smtClean="0">
-                <a:solidFill>
-                  <a:schemeClr val="tx2">
-                    <a:lumMod val="50000"/>
-                  </a:schemeClr>
-                </a:solidFill>
-              </a:rPr>
-              <a:t>.</a:t>
+              <a:t>pygame.</a:t>
             </a:r>
             <a:endParaRPr lang="ru-RU" sz="4300" i="1" dirty="0" smtClean="0">
               <a:solidFill>
@@ -3395,17 +3365,7 @@
                   </a:schemeClr>
                 </a:solidFill>
               </a:rPr>
-              <a:t> В проекте использовалась база данных, состоящая из </a:t>
-            </a:r>
-            <a:r>
-              <a:rPr lang="ru-RU" sz="4300" i="1" dirty="0" smtClean="0">
-                <a:solidFill>
-                  <a:schemeClr val="tx2">
-                    <a:lumMod val="50000"/>
-                  </a:schemeClr>
-                </a:solidFill>
-              </a:rPr>
-              <a:t>4 таблиц, </a:t>
+              <a:t> В проекте использовалась база данных, состоящая из 4 таблиц, </a:t>
             </a:r>
             <a:r>
               <a:rPr lang="en-US" sz="4300" i="1" dirty="0" smtClean="0">
@@ -3447,13 +3407,6 @@
               </a:rPr>
               <a:t>.</a:t>
             </a:r>
-            <a:endParaRPr lang="ru-RU" sz="4300" i="1" dirty="0" smtClean="0">
-              <a:solidFill>
-                <a:schemeClr val="tx2">
-                  <a:lumMod val="50000"/>
-                </a:schemeClr>
-              </a:solidFill>
-            </a:endParaRPr>
           </a:p>
           <a:p>
             <a:endParaRPr lang="ru-RU" dirty="0"/>
@@ -3556,25 +3509,30 @@
           </a:p>
         </p:txBody>
       </p:sp>
-      <p:sp>
-        <p:nvSpPr>
-          <p:cNvPr id="3" name="Содержимое 2"/>
-          <p:cNvSpPr>
-            <a:spLocks noGrp="1"/>
-          </p:cNvSpPr>
+      <p:pic>
+        <p:nvPicPr>
+          <p:cNvPr id="4" name="Содержимое 3" descr="Stats.png"/>
+          <p:cNvPicPr>
+            <a:picLocks noGrp="1" noChangeAspect="1"/>
+          </p:cNvPicPr>
           <p:nvPr>
             <p:ph idx="1"/>
           </p:nvPr>
-        </p:nvSpPr>
-        <p:spPr/>
-        <p:txBody>
-          <a:bodyPr/>
-          <a:lstStyle/>
-          <a:p>
-            <a:endParaRPr lang="ru-RU" dirty="0"/>
-          </a:p>
-        </p:txBody>
-      </p:sp>
+        </p:nvPicPr>
+        <p:blipFill>
+          <a:blip r:embed="rId2" cstate="print"/>
+          <a:srcRect t="9065"/>
+          <a:stretch>
+            <a:fillRect/>
+          </a:stretch>
+        </p:blipFill>
+        <p:spPr>
+          <a:xfrm>
+            <a:off x="500034" y="1643050"/>
+            <a:ext cx="8143932" cy="4729731"/>
+          </a:xfrm>
+        </p:spPr>
+      </p:pic>
     </p:spTree>
   </p:cSld>
   <p:clrMapOvr>
@@ -3632,25 +3590,40 @@
           </a:p>
         </p:txBody>
       </p:sp>
-      <p:sp>
-        <p:nvSpPr>
-          <p:cNvPr id="3" name="Содержимое 2"/>
-          <p:cNvSpPr>
-            <a:spLocks noGrp="1"/>
-          </p:cNvSpPr>
+      <p:pic>
+        <p:nvPicPr>
+          <p:cNvPr id="1026" name="Picture 2"/>
+          <p:cNvPicPr>
+            <a:picLocks noGrp="1" noChangeAspect="1" noChangeArrowheads="1"/>
+          </p:cNvPicPr>
           <p:nvPr>
             <p:ph idx="1"/>
           </p:nvPr>
-        </p:nvSpPr>
-        <p:spPr/>
-        <p:txBody>
-          <a:bodyPr/>
-          <a:lstStyle/>
-          <a:p>
-            <a:endParaRPr lang="ru-RU"/>
-          </a:p>
-        </p:txBody>
-      </p:sp>
+        </p:nvPicPr>
+        <p:blipFill>
+          <a:blip r:embed="rId2" cstate="print"/>
+          <a:srcRect l="2079" t="4103" r="49112" b="5927"/>
+          <a:stretch>
+            <a:fillRect/>
+          </a:stretch>
+        </p:blipFill>
+        <p:spPr bwMode="auto">
+          <a:xfrm>
+            <a:off x="1785918" y="1357298"/>
+            <a:ext cx="5572164" cy="5286388"/>
+          </a:xfrm>
+          <a:prstGeom prst="rect">
+            <a:avLst/>
+          </a:prstGeom>
+          <a:noFill/>
+          <a:ln w="9525">
+            <a:noFill/>
+            <a:miter lim="800000"/>
+            <a:headEnd/>
+            <a:tailEnd/>
+          </a:ln>
+        </p:spPr>
+      </p:pic>
     </p:spTree>
   </p:cSld>
   <p:clrMapOvr>
@@ -3708,25 +3681,40 @@
           </a:p>
         </p:txBody>
       </p:sp>
-      <p:sp>
-        <p:nvSpPr>
-          <p:cNvPr id="3" name="Содержимое 2"/>
-          <p:cNvSpPr>
-            <a:spLocks noGrp="1"/>
-          </p:cNvSpPr>
+      <p:pic>
+        <p:nvPicPr>
+          <p:cNvPr id="2050" name="Picture 2"/>
+          <p:cNvPicPr>
+            <a:picLocks noGrp="1" noChangeAspect="1" noChangeArrowheads="1"/>
+          </p:cNvPicPr>
           <p:nvPr>
             <p:ph idx="1"/>
           </p:nvPr>
-        </p:nvSpPr>
-        <p:spPr/>
-        <p:txBody>
-          <a:bodyPr/>
-          <a:lstStyle/>
-          <a:p>
-            <a:endParaRPr lang="ru-RU"/>
-          </a:p>
-        </p:txBody>
-      </p:sp>
+        </p:nvPicPr>
+        <p:blipFill>
+          <a:blip r:embed="rId2" cstate="print"/>
+          <a:srcRect l="2713" t="4104" r="49113" b="7506"/>
+          <a:stretch>
+            <a:fillRect/>
+          </a:stretch>
+        </p:blipFill>
+        <p:spPr bwMode="auto">
+          <a:xfrm>
+            <a:off x="2000232" y="1062455"/>
+            <a:ext cx="5429288" cy="5600739"/>
+          </a:xfrm>
+          <a:prstGeom prst="rect">
+            <a:avLst/>
+          </a:prstGeom>
+          <a:noFill/>
+          <a:ln w="9525">
+            <a:noFill/>
+            <a:miter lim="800000"/>
+            <a:headEnd/>
+            <a:tailEnd/>
+          </a:ln>
+        </p:spPr>
+      </p:pic>
     </p:spTree>
   </p:cSld>
   <p:clrMapOvr>
@@ -3828,11 +3816,19 @@
             </a:r>
             <a:r>
               <a:rPr lang="ru-RU" dirty="0" err="1" smtClean="0"/>
-              <a:t>анимацийи</a:t>
+              <a:t>анимаций</a:t>
+            </a:r>
+            <a:r>
+              <a:rPr lang="en-US" dirty="0" smtClean="0"/>
+              <a:t> </a:t>
             </a:r>
             <a:r>
               <a:rPr lang="ru-RU" dirty="0" smtClean="0"/>
-              <a:t> спрайтов.</a:t>
+              <a:t>и </a:t>
+            </a:r>
+            <a:r>
+              <a:rPr lang="ru-RU" dirty="0" smtClean="0"/>
+              <a:t>спрайтов.</a:t>
             </a:r>
             <a:endParaRPr lang="ru-RU" dirty="0"/>
           </a:p>
